--- a/ChurnGuard.pptx
+++ b/ChurnGuard.pptx
@@ -6878,19 +6878,7 @@
           <a:p>
             <a:r>
               <a:rPr lang="en-GB" dirty="0" smtClean="0"/>
-              <a:t>Summary findings of </a:t>
-            </a:r>
-            <a:r>
-              <a:rPr lang="en-GB" dirty="0" smtClean="0"/>
-              <a:t>the </a:t>
-            </a:r>
-            <a:r>
-              <a:rPr lang="en-GB" dirty="0" smtClean="0"/>
-              <a:t>general categorical </a:t>
-            </a:r>
-            <a:r>
-              <a:rPr lang="en-GB" dirty="0" smtClean="0"/>
-              <a:t>features irrespective of whether customer churned or not.</a:t>
+              <a:t>Summary findings of the general categorical features irrespective of whether customer churned or not.</a:t>
             </a:r>
             <a:endParaRPr lang="en-GB" dirty="0"/>
           </a:p>
@@ -7014,23 +7002,7 @@
           <a:p>
             <a:r>
               <a:rPr lang="en-GB" dirty="0" smtClean="0"/>
-              <a:t>Figure illustrating</a:t>
-            </a:r>
-            <a:r>
-              <a:rPr lang="en-GB" dirty="0" smtClean="0"/>
-              <a:t> </a:t>
-            </a:r>
-            <a:r>
-              <a:rPr lang="en-GB" dirty="0" smtClean="0"/>
-              <a:t>the </a:t>
-            </a:r>
-            <a:r>
-              <a:rPr lang="en-GB" dirty="0" smtClean="0"/>
-              <a:t>mean values of the numerical features </a:t>
-            </a:r>
-            <a:r>
-              <a:rPr lang="en-GB" dirty="0" smtClean="0"/>
-              <a:t>of customers who churned</a:t>
+              <a:t>Figure illustrating the mean values of the numerical features of customers who churned</a:t>
             </a:r>
             <a:endParaRPr lang="en-GB" dirty="0"/>
           </a:p>
@@ -7120,11 +7092,7 @@
           <a:p>
             <a:r>
               <a:rPr lang="en-GB" dirty="0" smtClean="0"/>
-              <a:t>Estimated </a:t>
-            </a:r>
-            <a:r>
-              <a:rPr lang="en-GB" dirty="0" smtClean="0"/>
-              <a:t>Revenue at Risk</a:t>
+              <a:t>Estimated Revenue at Risk</a:t>
             </a:r>
             <a:endParaRPr lang="en-GB" dirty="0"/>
           </a:p>
@@ -7294,11 +7262,7 @@
           <a:p>
             <a:r>
               <a:rPr lang="en-GB" dirty="0" smtClean="0"/>
-              <a:t>Figure i</a:t>
-            </a:r>
-            <a:r>
-              <a:rPr lang="en-GB" dirty="0" smtClean="0"/>
-              <a:t>llustrating the mean values of the </a:t>
+              <a:t>Figure illustrating the mean values of the </a:t>
             </a:r>
             <a:r>
               <a:rPr lang="en-GB" dirty="0"/>
@@ -7406,11 +7370,7 @@
           <a:p>
             <a:r>
               <a:rPr lang="en-GB" dirty="0" smtClean="0"/>
-              <a:t>Figures i</a:t>
-            </a:r>
-            <a:r>
-              <a:rPr lang="en-GB" dirty="0" smtClean="0"/>
-              <a:t>llustrating </a:t>
+              <a:t>Figures illustrating </a:t>
             </a:r>
             <a:r>
               <a:rPr lang="en-GB" dirty="0"/>
@@ -7725,11 +7685,7 @@
             </a:r>
             <a:r>
               <a:rPr lang="en-GB" dirty="0" smtClean="0"/>
-              <a:t>did </a:t>
-            </a:r>
-            <a:r>
-              <a:rPr lang="en-GB" dirty="0" smtClean="0"/>
-              <a:t>not over-fit </a:t>
+              <a:t>did not over-fit </a:t>
             </a:r>
             <a:r>
               <a:rPr lang="en-GB" dirty="0"/>
@@ -8082,11 +8038,7 @@
           <a:p>
             <a:r>
               <a:rPr lang="en-GB" dirty="0" smtClean="0"/>
-              <a:t>Key </a:t>
-            </a:r>
-            <a:r>
-              <a:rPr lang="en-GB" dirty="0" smtClean="0"/>
-              <a:t>features in predicting customer churn</a:t>
+              <a:t>Key features in predicting customer churn</a:t>
             </a:r>
             <a:endParaRPr lang="en-GB" dirty="0"/>
           </a:p>
@@ -8535,19 +8487,7 @@
             <a:pPr lvl="1"/>
             <a:r>
               <a:rPr lang="en-GB" dirty="0" smtClean="0"/>
-              <a:t>The dataset </a:t>
-            </a:r>
-            <a:r>
-              <a:rPr lang="en-GB" dirty="0" smtClean="0"/>
-              <a:t>was</a:t>
-            </a:r>
-            <a:r>
-              <a:rPr lang="en-GB" dirty="0" smtClean="0"/>
-              <a:t> </a:t>
-            </a:r>
-            <a:r>
-              <a:rPr lang="en-GB" dirty="0" smtClean="0"/>
-              <a:t>collected over a short period, which may not capture seasonal or long-term usage patterns.</a:t>
+              <a:t>The dataset was collected over a short period, which may not capture seasonal or long-term usage patterns.</a:t>
             </a:r>
             <a:endParaRPr lang="en-GB" dirty="0"/>
           </a:p>
@@ -8569,11 +8509,7 @@
             </a:r>
             <a:r>
               <a:rPr lang="en-GB" dirty="0" smtClean="0"/>
-              <a:t>was </a:t>
-            </a:r>
-            <a:r>
-              <a:rPr lang="en-GB" dirty="0" smtClean="0"/>
-              <a:t>much </a:t>
+              <a:t>was much </a:t>
             </a:r>
             <a:r>
               <a:rPr lang="en-GB" dirty="0"/>
@@ -8683,7 +8619,7 @@
           <a:lstStyle/>
           <a:p>
             <a:r>
-              <a:rPr lang="en-GB" dirty="0"/>
+              <a:rPr lang="en-GB" dirty="0" smtClean="0"/>
               <a:t>Adding more customer attributes:</a:t>
             </a:r>
           </a:p>
@@ -8694,11 +8630,7 @@
             </a:pPr>
             <a:r>
               <a:rPr lang="en-GB" dirty="0" smtClean="0"/>
-              <a:t>Demographics</a:t>
-            </a:r>
-            <a:r>
-              <a:rPr lang="en-GB" dirty="0"/>
-              <a:t>: age, gender, income, occupation.</a:t>
+              <a:t>Demographics: age, gender, income, occupation.</a:t>
             </a:r>
           </a:p>
           <a:p>
@@ -8708,11 +8640,7 @@
             </a:pPr>
             <a:r>
               <a:rPr lang="en-GB" dirty="0" smtClean="0"/>
-              <a:t>Subscription </a:t>
-            </a:r>
-            <a:r>
-              <a:rPr lang="en-GB" dirty="0"/>
-              <a:t>details: contract type, tenure, plan changes, add-ons.</a:t>
+              <a:t>Subscription details: contract type, tenure, plan changes, add-ons.</a:t>
             </a:r>
           </a:p>
           <a:p>
@@ -8722,15 +8650,7 @@
             </a:pPr>
             <a:r>
               <a:rPr lang="en-GB" dirty="0" smtClean="0"/>
-              <a:t>Service </a:t>
-            </a:r>
-            <a:r>
-              <a:rPr lang="en-GB" dirty="0"/>
-              <a:t>quality metrics: dropped calls, network coverage, complaint history</a:t>
-            </a:r>
-            <a:r>
-              <a:rPr lang="en-GB" dirty="0" smtClean="0"/>
-              <a:t>.</a:t>
+              <a:t>Service quality metrics: dropped calls, network coverage, complaint history.</a:t>
             </a:r>
           </a:p>
           <a:p>
@@ -8738,22 +8658,13 @@
               <a:buFont typeface="Wingdings" panose="05000000000000000000" pitchFamily="2" charset="2"/>
               <a:buChar char="§"/>
             </a:pPr>
-            <a:endParaRPr lang="en-GB" dirty="0"/>
-          </a:p>
-          <a:p>
-            <a:r>
-              <a:rPr lang="en-GB" dirty="0" smtClean="0"/>
-              <a:t>Increasing dataset </a:t>
-            </a:r>
-            <a:r>
-              <a:rPr lang="en-GB" dirty="0"/>
-              <a:t>size and diversity</a:t>
-            </a:r>
-            <a:r>
-              <a:rPr lang="en-GB" dirty="0" smtClean="0"/>
-              <a:t>:</a:t>
-            </a:r>
-            <a:endParaRPr lang="en-GB" dirty="0"/>
+            <a:endParaRPr lang="en-GB" dirty="0" smtClean="0"/>
+          </a:p>
+          <a:p>
+            <a:r>
+              <a:rPr lang="en-GB" dirty="0" smtClean="0"/>
+              <a:t>Increasing dataset size and diversity:</a:t>
+            </a:r>
           </a:p>
           <a:p>
             <a:pPr lvl="1">
@@ -8762,11 +8673,7 @@
             </a:pPr>
             <a:r>
               <a:rPr lang="en-GB" dirty="0" smtClean="0"/>
-              <a:t>Collect </a:t>
-            </a:r>
-            <a:r>
-              <a:rPr lang="en-GB" dirty="0"/>
-              <a:t>data across multiple time periods and regions to improve model generalization.</a:t>
+              <a:t>Collect data across multiple time periods and regions to improve model generalization.</a:t>
             </a:r>
           </a:p>
           <a:p>
@@ -8776,11 +8683,7 @@
             </a:pPr>
             <a:r>
               <a:rPr lang="en-GB" dirty="0" smtClean="0"/>
-              <a:t>Balance </a:t>
-            </a:r>
-            <a:r>
-              <a:rPr lang="en-GB" dirty="0"/>
-              <a:t>the dataset better between churned and non-churned customers to reduce class imbalance.</a:t>
+              <a:t>Balance the dataset better between churned and non-churned customers to reduce class imbalance.</a:t>
             </a:r>
           </a:p>
           <a:p>
@@ -8904,13 +8807,8 @@
             </a:r>
             <a:r>
               <a:rPr lang="en-GB" dirty="0" smtClean="0"/>
-              <a:t> to</a:t>
-            </a:r>
-            <a:r>
-              <a:rPr lang="en-GB" dirty="0" smtClean="0"/>
-              <a:t>:</a:t>
-            </a:r>
-            <a:endParaRPr lang="en-GB" dirty="0" smtClean="0"/>
+              <a:t> to:</a:t>
+            </a:r>
           </a:p>
           <a:p>
             <a:pPr marL="457200" lvl="1" indent="0">
@@ -9223,13 +9121,8 @@
             </a:r>
             <a:r>
               <a:rPr lang="en-GB" dirty="0" smtClean="0"/>
-              <a:t>dataset used to find answers to the business questions</a:t>
-            </a:r>
-            <a:r>
-              <a:rPr lang="en-GB" dirty="0" smtClean="0"/>
-              <a:t>:</a:t>
-            </a:r>
-            <a:endParaRPr lang="en-GB" dirty="0" smtClean="0"/>
+              <a:t>dataset used to find answers to the business questions:</a:t>
+            </a:r>
           </a:p>
           <a:p>
             <a:pPr lvl="1">
@@ -9256,7 +9149,6 @@
               <a:rPr lang="en-GB" dirty="0" smtClean="0"/>
               <a:t>.</a:t>
             </a:r>
-            <a:endParaRPr lang="en-GB" dirty="0" smtClean="0"/>
           </a:p>
           <a:p>
             <a:pPr lvl="1">
@@ -9332,15 +9224,7 @@
             </a:pPr>
             <a:r>
               <a:rPr lang="en-GB" dirty="0" smtClean="0"/>
-              <a:t>Administrative features – </a:t>
-            </a:r>
-            <a:r>
-              <a:rPr lang="en-GB" dirty="0" smtClean="0"/>
-              <a:t>Such </a:t>
-            </a:r>
-            <a:r>
-              <a:rPr lang="en-GB" dirty="0" smtClean="0"/>
-              <a:t>as state and duration which customers had accounts.</a:t>
+              <a:t>Administrative features – Such as state and duration which customers had accounts.</a:t>
             </a:r>
           </a:p>
           <a:p>
@@ -9350,15 +9234,7 @@
             </a:pPr>
             <a:r>
               <a:rPr lang="en-GB" dirty="0" smtClean="0"/>
-              <a:t>Identifiers – </a:t>
-            </a:r>
-            <a:r>
-              <a:rPr lang="en-GB" dirty="0" smtClean="0"/>
-              <a:t>Customer </a:t>
-            </a:r>
-            <a:r>
-              <a:rPr lang="en-GB" dirty="0" smtClean="0"/>
-              <a:t>phone number.</a:t>
+              <a:t>Identifiers – Customer phone number.</a:t>
             </a:r>
             <a:endParaRPr lang="en-GB" dirty="0"/>
           </a:p>
@@ -9458,13 +9334,8 @@
           <a:p>
             <a:r>
               <a:rPr lang="en-GB" sz="2400" dirty="0" smtClean="0"/>
-              <a:t>We used several libraries to analyse the dataset</a:t>
-            </a:r>
-            <a:r>
-              <a:rPr lang="en-GB" sz="2400" dirty="0" smtClean="0"/>
-              <a:t>:</a:t>
-            </a:r>
-            <a:endParaRPr lang="en-GB" sz="2400" dirty="0" smtClean="0"/>
+              <a:t>We used several libraries to analyse the dataset:</a:t>
+            </a:r>
           </a:p>
           <a:p>
             <a:pPr marL="781200" lvl="1" indent="-457200">
@@ -9481,13 +9352,8 @@
             </a:r>
             <a:r>
               <a:rPr lang="en-GB" sz="2200" dirty="0" smtClean="0"/>
-              <a:t>- to read our csv files and perform exploratory data analysis</a:t>
-            </a:r>
-            <a:r>
-              <a:rPr lang="en-GB" sz="2200" dirty="0" smtClean="0"/>
-              <a:t>.</a:t>
-            </a:r>
-            <a:endParaRPr lang="en-GB" sz="2200" dirty="0" smtClean="0"/>
+              <a:t>- to read our csv files and perform exploratory data analysis.</a:t>
+            </a:r>
           </a:p>
           <a:p>
             <a:pPr marL="781200" lvl="1" indent="-457200">
@@ -9500,11 +9366,7 @@
             </a:r>
             <a:r>
               <a:rPr lang="en-GB" sz="2200" dirty="0" smtClean="0"/>
-              <a:t> - for visualizations</a:t>
-            </a:r>
-            <a:r>
-              <a:rPr lang="en-GB" sz="2200" dirty="0" smtClean="0"/>
-              <a:t>.</a:t>
+              <a:t> - for visualizations.</a:t>
             </a:r>
             <a:endParaRPr lang="en-GB" sz="2200" dirty="0"/>
           </a:p>
@@ -9541,11 +9403,7 @@
             </a:r>
             <a:r>
               <a:rPr lang="en-GB" sz="1800" dirty="0" smtClean="0"/>
-              <a:t>capture </a:t>
-            </a:r>
-            <a:r>
-              <a:rPr lang="en-GB" sz="1800" dirty="0" smtClean="0"/>
-              <a:t>complex patterns in dataset</a:t>
+              <a:t>capture complex patterns in dataset</a:t>
             </a:r>
           </a:p>
           <a:p>
@@ -9560,11 +9418,7 @@
             </a:r>
             <a:r>
               <a:rPr lang="en-GB" sz="1800" dirty="0" smtClean="0"/>
-              <a:t> </a:t>
-            </a:r>
-            <a:r>
-              <a:rPr lang="en-GB" sz="1800" dirty="0" smtClean="0"/>
-              <a:t>handle high dimensional data</a:t>
+              <a:t> handle high dimensional data</a:t>
             </a:r>
           </a:p>
           <a:p>
@@ -9627,11 +9481,7 @@
           <a:p>
             <a:r>
               <a:rPr lang="en-GB" dirty="0" smtClean="0"/>
-              <a:t>Data </a:t>
-            </a:r>
-            <a:r>
-              <a:rPr lang="en-GB" dirty="0" smtClean="0"/>
-              <a:t>Preparation – Data Cleaning </a:t>
+              <a:t>Data Preparation – Data Cleaning </a:t>
             </a:r>
             <a:endParaRPr lang="en-GB" dirty="0"/>
           </a:p>
@@ -9656,13 +9506,8 @@
           <a:p>
             <a:r>
               <a:rPr lang="en-GB" dirty="0" smtClean="0"/>
-              <a:t>Prior to data analysis we</a:t>
-            </a:r>
-            <a:r>
-              <a:rPr lang="en-GB" dirty="0" smtClean="0"/>
-              <a:t>:</a:t>
-            </a:r>
-            <a:endParaRPr lang="en-GB" dirty="0" smtClean="0"/>
+              <a:t>Prior to data analysis we:</a:t>
+            </a:r>
           </a:p>
           <a:p>
             <a:pPr marL="914400" lvl="1" indent="-457200">

--- a/ChurnGuard.pptx
+++ b/ChurnGuard.pptx
@@ -26,6 +26,7 @@
     <p:sldId id="280" r:id="rId20"/>
     <p:sldId id="278" r:id="rId21"/>
     <p:sldId id="279" r:id="rId22"/>
+    <p:sldId id="281" r:id="rId23"/>
   </p:sldIdLst>
   <p:sldSz cx="12192000" cy="6858000"/>
   <p:notesSz cx="6858000" cy="9144000"/>
@@ -177,7 +178,6 @@
           </a:p>
         </c:rich>
       </c:tx>
-      <c:layout/>
       <c:overlay val="0"/>
       <c:spPr>
         <a:noFill/>
@@ -403,7 +403,6 @@
     </c:plotArea>
     <c:legend>
       <c:legendPos val="b"/>
-      <c:layout/>
       <c:overlay val="0"/>
       <c:spPr>
         <a:noFill/>
@@ -8714,6 +8713,64 @@
 </p:sld>
 </file>
 
+<file path=ppt/slides/slide22.xml><?xml version="1.0" encoding="utf-8"?>
+<p:sld xmlns:a="http://schemas.openxmlformats.org/drawingml/2006/main" xmlns:r="http://schemas.openxmlformats.org/officeDocument/2006/relationships" xmlns:p="http://schemas.openxmlformats.org/presentationml/2006/main">
+  <p:cSld>
+    <p:spTree>
+      <p:nvGrpSpPr>
+        <p:cNvPr id="1" name=""/>
+        <p:cNvGrpSpPr/>
+        <p:nvPr/>
+      </p:nvGrpSpPr>
+      <p:grpSpPr>
+        <a:xfrm>
+          <a:off x="0" y="0"/>
+          <a:ext cx="0" cy="0"/>
+          <a:chOff x="0" y="0"/>
+          <a:chExt cx="0" cy="0"/>
+        </a:xfrm>
+      </p:grpSpPr>
+      <p:sp>
+        <p:nvSpPr>
+          <p:cNvPr id="2" name="Title 1"/>
+          <p:cNvSpPr>
+            <a:spLocks noGrp="1"/>
+          </p:cNvSpPr>
+          <p:nvPr>
+            <p:ph type="title"/>
+          </p:nvPr>
+        </p:nvSpPr>
+        <p:spPr>
+          <a:xfrm>
+            <a:off x="1246416" y="2419046"/>
+            <a:ext cx="9601196" cy="1303867"/>
+          </a:xfrm>
+        </p:spPr>
+        <p:txBody>
+          <a:bodyPr/>
+          <a:lstStyle/>
+          <a:p>
+            <a:r>
+              <a:rPr lang="en-GB" dirty="0" smtClean="0"/>
+              <a:t>THANK YOU</a:t>
+            </a:r>
+            <a:endParaRPr lang="en-GB" dirty="0"/>
+          </a:p>
+        </p:txBody>
+      </p:sp>
+    </p:spTree>
+    <p:extLst>
+      <p:ext uri="{BB962C8B-B14F-4D97-AF65-F5344CB8AC3E}">
+        <p14:creationId xmlns:p14="http://schemas.microsoft.com/office/powerpoint/2010/main" val="2316988522"/>
+      </p:ext>
+    </p:extLst>
+  </p:cSld>
+  <p:clrMapOvr>
+    <a:masterClrMapping/>
+  </p:clrMapOvr>
+</p:sld>
+</file>
+
 <file path=ppt/slides/slide3.xml><?xml version="1.0" encoding="utf-8"?>
 <p:sld xmlns:a="http://schemas.openxmlformats.org/drawingml/2006/main" xmlns:r="http://schemas.openxmlformats.org/officeDocument/2006/relationships" xmlns:p="http://schemas.openxmlformats.org/presentationml/2006/main">
   <p:cSld>
